--- a/20_発表資料/ゼミ資料/統一モデル_ゼミ資料２.pptx
+++ b/20_発表資料/ゼミ資料/統一モデル_ゼミ資料２.pptx
@@ -224,7 +224,7 @@
           <a:p>
             <a:fld id="{D7BEEBC3-E73B-4C7A-8A9B-630A45928F96}" type="datetimeFigureOut">
               <a:rPr kumimoji="1" lang="ja-JP" altLang="en-US" smtClean="0"/>
-              <a:t>2025/7/23</a:t>
+              <a:t>2025/7/24</a:t>
             </a:fld>
             <a:endParaRPr kumimoji="1" lang="ja-JP" altLang="en-US"/>
           </a:p>
@@ -9295,7 +9295,7 @@
           <a:p>
             <a:fld id="{8E13C0C7-DE05-4833-8785-D21399826AC3}" type="datetimeFigureOut">
               <a:rPr kumimoji="1" lang="ja-JP" altLang="en-US" smtClean="0"/>
-              <a:t>2025/7/23</a:t>
+              <a:t>2025/7/24</a:t>
             </a:fld>
             <a:endParaRPr kumimoji="1" lang="ja-JP" altLang="en-US"/>
           </a:p>
@@ -9525,7 +9525,7 @@
           <a:p>
             <a:fld id="{8E13C0C7-DE05-4833-8785-D21399826AC3}" type="datetimeFigureOut">
               <a:rPr kumimoji="1" lang="ja-JP" altLang="en-US" smtClean="0"/>
-              <a:t>2025/7/23</a:t>
+              <a:t>2025/7/24</a:t>
             </a:fld>
             <a:endParaRPr kumimoji="1" lang="ja-JP" altLang="en-US"/>
           </a:p>
@@ -9765,7 +9765,7 @@
           <a:p>
             <a:fld id="{8E13C0C7-DE05-4833-8785-D21399826AC3}" type="datetimeFigureOut">
               <a:rPr kumimoji="1" lang="ja-JP" altLang="en-US" smtClean="0"/>
-              <a:t>2025/7/23</a:t>
+              <a:t>2025/7/24</a:t>
             </a:fld>
             <a:endParaRPr kumimoji="1" lang="ja-JP" altLang="en-US"/>
           </a:p>
@@ -10508,7 +10508,7 @@
           <a:p>
             <a:fld id="{8E13C0C7-DE05-4833-8785-D21399826AC3}" type="datetimeFigureOut">
               <a:rPr kumimoji="1" lang="ja-JP" altLang="en-US" smtClean="0"/>
-              <a:t>2025/7/23</a:t>
+              <a:t>2025/7/24</a:t>
             </a:fld>
             <a:endParaRPr kumimoji="1" lang="ja-JP" altLang="en-US"/>
           </a:p>
@@ -10783,7 +10783,7 @@
           <a:p>
             <a:fld id="{8E13C0C7-DE05-4833-8785-D21399826AC3}" type="datetimeFigureOut">
               <a:rPr kumimoji="1" lang="ja-JP" altLang="en-US" smtClean="0"/>
-              <a:t>2025/7/23</a:t>
+              <a:t>2025/7/24</a:t>
             </a:fld>
             <a:endParaRPr kumimoji="1" lang="ja-JP" altLang="en-US"/>
           </a:p>
@@ -11112,7 +11112,7 @@
           <a:p>
             <a:fld id="{8E13C0C7-DE05-4833-8785-D21399826AC3}" type="datetimeFigureOut">
               <a:rPr kumimoji="1" lang="ja-JP" altLang="en-US" smtClean="0"/>
-              <a:t>2025/7/23</a:t>
+              <a:t>2025/7/24</a:t>
             </a:fld>
             <a:endParaRPr kumimoji="1" lang="ja-JP" altLang="en-US"/>
           </a:p>
@@ -11588,7 +11588,7 @@
           <a:p>
             <a:fld id="{8E13C0C7-DE05-4833-8785-D21399826AC3}" type="datetimeFigureOut">
               <a:rPr kumimoji="1" lang="ja-JP" altLang="en-US" smtClean="0"/>
-              <a:t>2025/7/23</a:t>
+              <a:t>2025/7/24</a:t>
             </a:fld>
             <a:endParaRPr kumimoji="1" lang="ja-JP" altLang="en-US"/>
           </a:p>
@@ -11729,7 +11729,7 @@
           <a:p>
             <a:fld id="{8E13C0C7-DE05-4833-8785-D21399826AC3}" type="datetimeFigureOut">
               <a:rPr kumimoji="1" lang="ja-JP" altLang="en-US" smtClean="0"/>
-              <a:t>2025/7/23</a:t>
+              <a:t>2025/7/24</a:t>
             </a:fld>
             <a:endParaRPr kumimoji="1" lang="ja-JP" altLang="en-US"/>
           </a:p>
@@ -11842,7 +11842,7 @@
           <a:p>
             <a:fld id="{8E13C0C7-DE05-4833-8785-D21399826AC3}" type="datetimeFigureOut">
               <a:rPr kumimoji="1" lang="ja-JP" altLang="en-US" smtClean="0"/>
-              <a:t>2025/7/23</a:t>
+              <a:t>2025/7/24</a:t>
             </a:fld>
             <a:endParaRPr kumimoji="1" lang="ja-JP" altLang="en-US"/>
           </a:p>
@@ -12185,7 +12185,7 @@
           <a:p>
             <a:fld id="{8E13C0C7-DE05-4833-8785-D21399826AC3}" type="datetimeFigureOut">
               <a:rPr kumimoji="1" lang="ja-JP" altLang="en-US" smtClean="0"/>
-              <a:t>2025/7/23</a:t>
+              <a:t>2025/7/24</a:t>
             </a:fld>
             <a:endParaRPr kumimoji="1" lang="ja-JP" altLang="en-US"/>
           </a:p>
@@ -12473,7 +12473,7 @@
           <a:p>
             <a:fld id="{8E13C0C7-DE05-4833-8785-D21399826AC3}" type="datetimeFigureOut">
               <a:rPr kumimoji="1" lang="ja-JP" altLang="en-US" smtClean="0"/>
-              <a:t>2025/7/23</a:t>
+              <a:t>2025/7/24</a:t>
             </a:fld>
             <a:endParaRPr kumimoji="1" lang="ja-JP" altLang="en-US"/>
           </a:p>
@@ -12746,7 +12746,7 @@
           <a:p>
             <a:fld id="{8E13C0C7-DE05-4833-8785-D21399826AC3}" type="datetimeFigureOut">
               <a:rPr kumimoji="1" lang="ja-JP" altLang="en-US" smtClean="0"/>
-              <a:t>2025/7/23</a:t>
+              <a:t>2025/7/24</a:t>
             </a:fld>
             <a:endParaRPr kumimoji="1" lang="ja-JP" altLang="en-US"/>
           </a:p>
@@ -13202,14 +13202,12 @@
           <a:lstStyle/>
           <a:p>
             <a:r>
-              <a:rPr lang="ja-JP" altLang="en-US" sz="3600" b="1" i="0">
+              <a:rPr lang="en-US" altLang="ja-JP" sz="3600" dirty="0">
                 <a:solidFill>
                   <a:schemeClr val="bg1"/>
                 </a:solidFill>
-                <a:effectLst/>
-                <a:latin typeface="Lucida Grande" panose="020B0600040502020204" pitchFamily="34" charset="0"/>
               </a:rPr>
-              <a:t>統一モデルで異常検知してみた。</a:t>
+              <a:t>A Unified Model for Multi-class Anomaly Detection</a:t>
             </a:r>
             <a:endParaRPr lang="en-US" sz="3600" b="1" i="0" dirty="0">
               <a:solidFill>

--- a/20_発表資料/ゼミ資料/統一モデル_ゼミ資料２.pptx
+++ b/20_発表資料/ゼミ資料/統一モデル_ゼミ資料２.pptx
@@ -5183,79 +5183,73 @@
               <a:tabLst/>
               <a:defRPr/>
             </a:pPr>
-            <a:endParaRPr lang="en-US" altLang="ja-JP" sz="1200" dirty="0"/>
-          </a:p>
-          <a:p>
-            <a:pPr marL="0" marR="0" lvl="0" indent="0" algn="l" defTabSz="914400" rtl="0" eaLnBrk="1" fontAlgn="auto" latinLnBrk="0" hangingPunct="1">
-              <a:lnSpc>
-                <a:spcPct val="100000"/>
-              </a:lnSpc>
-              <a:spcBef>
-                <a:spcPts val="0"/>
-              </a:spcBef>
-              <a:spcAft>
-                <a:spcPts val="0"/>
-              </a:spcAft>
-              <a:buClrTx/>
-              <a:buSzTx/>
-              <a:buFontTx/>
-              <a:buNone/>
-              <a:tabLst/>
-              <a:defRPr/>
-            </a:pPr>
-            <a:r>
-              <a:rPr lang="ja-JP" altLang="en-US" sz="1200" dirty="0"/>
-              <a:t>★</a:t>
-            </a:r>
-            <a:endParaRPr lang="en-US" altLang="ja-JP" sz="1200" dirty="0"/>
-          </a:p>
-          <a:p>
-            <a:pPr marL="0" marR="0" lvl="0" indent="0" algn="l" defTabSz="914400" rtl="0" eaLnBrk="1" fontAlgn="auto" latinLnBrk="0" hangingPunct="1">
-              <a:lnSpc>
-                <a:spcPct val="100000"/>
-              </a:lnSpc>
-              <a:spcBef>
-                <a:spcPts val="0"/>
-              </a:spcBef>
-              <a:spcAft>
-                <a:spcPts val="0"/>
-              </a:spcAft>
-              <a:buClrTx/>
-              <a:buSzTx/>
-              <a:buFontTx/>
-              <a:buNone/>
-              <a:tabLst/>
-              <a:defRPr/>
-            </a:pPr>
-            <a:r>
-              <a:rPr lang="ja-JP" altLang="en-US" sz="1200" dirty="0"/>
-              <a:t>従来手法の</a:t>
-            </a:r>
-            <a:r>
-              <a:rPr lang="en-US" altLang="ja-JP" dirty="0" err="1"/>
-              <a:t>PaDiM</a:t>
-            </a:r>
-            <a:r>
-              <a:rPr lang="ja-JP" altLang="en-US" dirty="0" err="1"/>
-              <a:t>のような</a:t>
+            <a:r>
+              <a:rPr lang="ja-JP" altLang="en-US" dirty="0"/>
+              <a:t>複数クラスの正常データを同時に学習し、すべてのクラスに適用可能な単一のモデルを構築した</a:t>
+            </a:r>
+            <a:endParaRPr lang="en-US" altLang="ja-JP" dirty="0"/>
+          </a:p>
+          <a:p>
+            <a:r>
+              <a:rPr lang="ja-JP" altLang="en-US" dirty="0"/>
+              <a:t>従来の異常検知手法の多くは、製品のクラスごとに個別のモデルを学習させる「</a:t>
             </a:r>
             <a:r>
               <a:rPr lang="en-US" altLang="ja-JP" dirty="0"/>
-              <a:t>(</a:t>
+              <a:t>1</a:t>
             </a:r>
             <a:r>
               <a:rPr lang="ja-JP" altLang="en-US" dirty="0"/>
-              <a:t>平均と共分散行列を得る</a:t>
+              <a:t>クラス</a:t>
             </a:r>
             <a:r>
               <a:rPr lang="en-US" altLang="ja-JP" dirty="0"/>
-              <a:t>)</a:t>
+              <a:t>1</a:t>
             </a:r>
             <a:r>
               <a:rPr lang="ja-JP" altLang="en-US" dirty="0"/>
-              <a:t>モデル化</a:t>
-            </a:r>
-            <a:endParaRPr lang="en-US" altLang="ja-JP" sz="1200" dirty="0"/>
+              <a:t>モデル」方式です。この方式では、クラス数が増えるにつれてメモリ消費が大きくなるという問題があります。</a:t>
+            </a:r>
+          </a:p>
+          <a:p>
+            <a:r>
+              <a:rPr lang="ja-JP" altLang="en-US" dirty="0"/>
+              <a:t>そこで本研究では、複数クラスをまとめて扱える、統一モデル（</a:t>
+            </a:r>
+            <a:r>
+              <a:rPr lang="en-US" altLang="ja-JP" dirty="0"/>
+              <a:t>Unified Model</a:t>
+            </a:r>
+            <a:r>
+              <a:rPr lang="ja-JP" altLang="en-US" dirty="0"/>
+              <a:t>）の構築を行いました。</a:t>
+            </a:r>
+            <a:br>
+              <a:rPr lang="en-US" altLang="ja-JP" dirty="0"/>
+            </a:br>
+            <a:r>
+              <a:rPr lang="ja-JP" altLang="en-US" dirty="0"/>
+              <a:t>しかし、単一モデルで複数クラスの正常データを学習させると、「同一性ショートカット（</a:t>
+            </a:r>
+            <a:r>
+              <a:rPr lang="en-US" altLang="ja-JP" dirty="0"/>
+              <a:t>identical shortcut</a:t>
+            </a:r>
+            <a:r>
+              <a:rPr lang="ja-JP" altLang="en-US" dirty="0"/>
+              <a:t>）」という深刻な問題が発生します 。これは、モデルが正常データだけでなく</a:t>
+            </a:r>
+          </a:p>
+          <a:p>
+            <a:r>
+              <a:rPr lang="ja-JP" altLang="en-US" dirty="0"/>
+              <a:t>異常データまでも完璧に再構成（コピー）**してしまい、両者の区別がつかなくなる現象です 。この問題は、データ分布がより複雑になる統一モデルのケースで特に顕著に</a:t>
+            </a:r>
+            <a:r>
+              <a:rPr lang="ja-JP" altLang="en-US"/>
+              <a:t>なります 。</a:t>
+            </a:r>
+            <a:endParaRPr lang="ja-JP" altLang="en-US" dirty="0"/>
           </a:p>
         </p:txBody>
       </p:sp>
@@ -13421,7 +13415,7 @@
                   <a:schemeClr val="bg1"/>
                 </a:solidFill>
               </a:rPr>
-              <a:t>Karsten</a:t>
+              <a:t>Zhiyuan</a:t>
             </a:r>
             <a:r>
               <a:rPr lang="en-US" altLang="ja-JP" dirty="0">
@@ -13429,7 +13423,23 @@
                   <a:schemeClr val="bg1"/>
                 </a:solidFill>
               </a:rPr>
-              <a:t> Roth et.al., CVPR 2022</a:t>
+              <a:t> you et.al., </a:t>
+            </a:r>
+            <a:r>
+              <a:rPr lang="en-US" altLang="ja-JP" dirty="0" err="1">
+                <a:solidFill>
+                  <a:schemeClr val="bg1"/>
+                </a:solidFill>
+              </a:rPr>
+              <a:t>NeurIPS</a:t>
+            </a:r>
+            <a:r>
+              <a:rPr lang="en-US" altLang="ja-JP" dirty="0">
+                <a:solidFill>
+                  <a:schemeClr val="bg1"/>
+                </a:solidFill>
+              </a:rPr>
+              <a:t> 2022</a:t>
             </a:r>
             <a:endParaRPr lang="en-JP" dirty="0">
               <a:solidFill>
@@ -19479,7 +19489,7 @@
             </a:r>
             <a:r>
               <a:rPr lang="ja-JP" altLang="en-US" sz="2000" dirty="0"/>
-              <a:t>位置ずれに強く、未知の欠陥を高い精度で検出する技術の確立。</a:t>
+              <a:t>クラス数が増えると大量のメモリを消費するという問題点の解決。</a:t>
             </a:r>
             <a:endParaRPr lang="en-US" altLang="ja-JP" sz="2400" dirty="0"/>
           </a:p>
